--- a/ppt/ppt_final.pptx
+++ b/ppt/ppt_final.pptx
@@ -125,6 +125,11 @@
       </a:defRPr>
     </a:lvl9pPr>
   </p:defaultTextStyle>
+  <p:extLst>
+    <p:ext uri="{EFAFB233-063F-42B5-8137-9DF3F51BA10A}">
+      <p15:sldGuideLst xmlns:p15="http://schemas.microsoft.com/office/powerpoint/2012/main"/>
+    </p:ext>
+  </p:extLst>
 </p:presentation>
 </file>
 
@@ -275,7 +280,7 @@
           <a:p>
             <a:fld id="{D88B6A32-AADE-461B-BD5A-37AF63256EC3}" type="datetimeFigureOut">
               <a:rPr lang="ko-KR" altLang="en-US" smtClean="0"/>
-              <a:t>2018-10-16</a:t>
+              <a:t>2018-10-17</a:t>
             </a:fld>
             <a:endParaRPr lang="ko-KR" altLang="en-US"/>
           </a:p>
@@ -473,7 +478,7 @@
           <a:p>
             <a:fld id="{D88B6A32-AADE-461B-BD5A-37AF63256EC3}" type="datetimeFigureOut">
               <a:rPr lang="ko-KR" altLang="en-US" smtClean="0"/>
-              <a:t>2018-10-16</a:t>
+              <a:t>2018-10-17</a:t>
             </a:fld>
             <a:endParaRPr lang="ko-KR" altLang="en-US"/>
           </a:p>
@@ -681,7 +686,7 @@
           <a:p>
             <a:fld id="{D88B6A32-AADE-461B-BD5A-37AF63256EC3}" type="datetimeFigureOut">
               <a:rPr lang="ko-KR" altLang="en-US" smtClean="0"/>
-              <a:t>2018-10-16</a:t>
+              <a:t>2018-10-17</a:t>
             </a:fld>
             <a:endParaRPr lang="ko-KR" altLang="en-US"/>
           </a:p>
@@ -879,7 +884,7 @@
           <a:p>
             <a:fld id="{D88B6A32-AADE-461B-BD5A-37AF63256EC3}" type="datetimeFigureOut">
               <a:rPr lang="ko-KR" altLang="en-US" smtClean="0"/>
-              <a:t>2018-10-16</a:t>
+              <a:t>2018-10-17</a:t>
             </a:fld>
             <a:endParaRPr lang="ko-KR" altLang="en-US"/>
           </a:p>
@@ -1154,7 +1159,7 @@
           <a:p>
             <a:fld id="{D88B6A32-AADE-461B-BD5A-37AF63256EC3}" type="datetimeFigureOut">
               <a:rPr lang="ko-KR" altLang="en-US" smtClean="0"/>
-              <a:t>2018-10-16</a:t>
+              <a:t>2018-10-17</a:t>
             </a:fld>
             <a:endParaRPr lang="ko-KR" altLang="en-US"/>
           </a:p>
@@ -1419,7 +1424,7 @@
           <a:p>
             <a:fld id="{D88B6A32-AADE-461B-BD5A-37AF63256EC3}" type="datetimeFigureOut">
               <a:rPr lang="ko-KR" altLang="en-US" smtClean="0"/>
-              <a:t>2018-10-16</a:t>
+              <a:t>2018-10-17</a:t>
             </a:fld>
             <a:endParaRPr lang="ko-KR" altLang="en-US"/>
           </a:p>
@@ -1831,7 +1836,7 @@
           <a:p>
             <a:fld id="{D88B6A32-AADE-461B-BD5A-37AF63256EC3}" type="datetimeFigureOut">
               <a:rPr lang="ko-KR" altLang="en-US" smtClean="0"/>
-              <a:t>2018-10-16</a:t>
+              <a:t>2018-10-17</a:t>
             </a:fld>
             <a:endParaRPr lang="ko-KR" altLang="en-US"/>
           </a:p>
@@ -1972,7 +1977,7 @@
           <a:p>
             <a:fld id="{D88B6A32-AADE-461B-BD5A-37AF63256EC3}" type="datetimeFigureOut">
               <a:rPr lang="ko-KR" altLang="en-US" smtClean="0"/>
-              <a:t>2018-10-16</a:t>
+              <a:t>2018-10-17</a:t>
             </a:fld>
             <a:endParaRPr lang="ko-KR" altLang="en-US"/>
           </a:p>
@@ -2085,7 +2090,7 @@
           <a:p>
             <a:fld id="{D88B6A32-AADE-461B-BD5A-37AF63256EC3}" type="datetimeFigureOut">
               <a:rPr lang="ko-KR" altLang="en-US" smtClean="0"/>
-              <a:t>2018-10-16</a:t>
+              <a:t>2018-10-17</a:t>
             </a:fld>
             <a:endParaRPr lang="ko-KR" altLang="en-US"/>
           </a:p>
@@ -2396,7 +2401,7 @@
           <a:p>
             <a:fld id="{D88B6A32-AADE-461B-BD5A-37AF63256EC3}" type="datetimeFigureOut">
               <a:rPr lang="ko-KR" altLang="en-US" smtClean="0"/>
-              <a:t>2018-10-16</a:t>
+              <a:t>2018-10-17</a:t>
             </a:fld>
             <a:endParaRPr lang="ko-KR" altLang="en-US"/>
           </a:p>
@@ -2684,7 +2689,7 @@
           <a:p>
             <a:fld id="{D88B6A32-AADE-461B-BD5A-37AF63256EC3}" type="datetimeFigureOut">
               <a:rPr lang="ko-KR" altLang="en-US" smtClean="0"/>
-              <a:t>2018-10-16</a:t>
+              <a:t>2018-10-17</a:t>
             </a:fld>
             <a:endParaRPr lang="ko-KR" altLang="en-US"/>
           </a:p>
@@ -2925,7 +2930,7 @@
           <a:p>
             <a:fld id="{D88B6A32-AADE-461B-BD5A-37AF63256EC3}" type="datetimeFigureOut">
               <a:rPr lang="ko-KR" altLang="en-US" smtClean="0"/>
-              <a:t>2018-10-16</a:t>
+              <a:t>2018-10-17</a:t>
             </a:fld>
             <a:endParaRPr lang="ko-KR" altLang="en-US"/>
           </a:p>
@@ -9783,7 +9788,7 @@
                   </a:schemeClr>
                 </a:solidFill>
               </a:rPr>
-              <a:t>이동시간은 이동시간 우선 탐색에 비해 </a:t>
+              <a:t>유동인구 비율은 이동시간 우선 탐색에 비해 </a:t>
             </a:r>
             <a:r>
               <a:rPr lang="en-US" altLang="ko-KR" sz="2400" b="1" dirty="0">
@@ -9793,7 +9798,7 @@
                   </a:schemeClr>
                 </a:solidFill>
               </a:rPr>
-              <a:t>3.7</a:t>
+              <a:t>3.2%</a:t>
             </a:r>
             <a:r>
               <a:rPr lang="ko-KR" altLang="en-US" sz="2400" b="1" dirty="0">
@@ -9803,7 +9808,7 @@
                   </a:schemeClr>
                 </a:solidFill>
               </a:rPr>
-              <a:t>분 더 많았고</a:t>
+              <a:t> 적었고</a:t>
             </a:r>
             <a:r>
               <a:rPr lang="en-US" altLang="ko-KR" sz="2400" b="1" dirty="0">
@@ -9834,7 +9839,7 @@
                   </a:schemeClr>
                 </a:solidFill>
               </a:rPr>
-              <a:t>총 유동인구 비율은 유동인구 우선 탐색에 비해 </a:t>
+              <a:t>이동시간은 유동인구 우선 탐색에 비해 </a:t>
             </a:r>
             <a:r>
               <a:rPr lang="en-US" altLang="ko-KR" sz="2400" b="1" dirty="0">
@@ -9844,7 +9849,7 @@
                   </a:schemeClr>
                 </a:solidFill>
               </a:rPr>
-              <a:t>2.8 </a:t>
+              <a:t>19.3</a:t>
             </a:r>
             <a:r>
               <a:rPr lang="ko-KR" altLang="en-US" sz="2400" b="1" dirty="0">
@@ -9854,7 +9859,7 @@
                   </a:schemeClr>
                 </a:solidFill>
               </a:rPr>
-              <a:t>높았다</a:t>
+              <a:t>분 빨랐다</a:t>
             </a:r>
             <a:r>
               <a:rPr lang="en-US" altLang="ko-KR" sz="2400" b="1" dirty="0">
